--- a/Notes/Presentation.pptx
+++ b/Notes/Presentation.pptx
@@ -7,6 +7,12 @@
   <p:sldIdLst>
     <p:sldId id="256" r:id="rId2"/>
     <p:sldId id="257" r:id="rId3"/>
+    <p:sldId id="258" r:id="rId4"/>
+    <p:sldId id="263" r:id="rId5"/>
+    <p:sldId id="259" r:id="rId6"/>
+    <p:sldId id="260" r:id="rId7"/>
+    <p:sldId id="261" r:id="rId8"/>
+    <p:sldId id="262" r:id="rId9"/>
   </p:sldIdLst>
   <p:sldSz cx="12192000" cy="6858000"/>
   <p:notesSz cx="6858000" cy="9144000"/>
@@ -105,6 +111,27 @@
       </a:defRPr>
     </a:lvl9pPr>
   </p:defaultTextStyle>
+  <p:extLst>
+    <p:ext uri="{521415D9-36F7-43E2-AB2F-B90AF26B5E84}">
+      <p14:sectionLst xmlns:p14="http://schemas.microsoft.com/office/powerpoint/2010/main">
+        <p14:section name="Section par défaut" id="{6797F434-4AB4-4EC1-B58A-163341A3AFAF}">
+          <p14:sldIdLst>
+            <p14:sldId id="256"/>
+            <p14:sldId id="257"/>
+            <p14:sldId id="258"/>
+            <p14:sldId id="263"/>
+            <p14:sldId id="259"/>
+            <p14:sldId id="260"/>
+            <p14:sldId id="261"/>
+            <p14:sldId id="262"/>
+          </p14:sldIdLst>
+        </p14:section>
+      </p14:sectionLst>
+    </p:ext>
+    <p:ext uri="{EFAFB233-063F-42B5-8137-9DF3F51BA10A}">
+      <p15:sldGuideLst xmlns:p15="http://schemas.microsoft.com/office/powerpoint/2012/main"/>
+    </p:ext>
+  </p:extLst>
 </p:presentation>
 </file>
 
@@ -832,7 +859,7 @@
           <a:p>
             <a:fld id="{7AAF9114-46CF-426A-8A8B-A9AE0B07B14A}" type="datetimeFigureOut">
               <a:rPr lang="fr-FR" smtClean="0"/>
-              <a:t>04/02/2025</a:t>
+              <a:t>07/02/2025</a:t>
             </a:fld>
             <a:endParaRPr lang="fr-FR"/>
           </a:p>
@@ -1083,7 +1110,7 @@
           <a:p>
             <a:fld id="{7AAF9114-46CF-426A-8A8B-A9AE0B07B14A}" type="datetimeFigureOut">
               <a:rPr lang="fr-FR" smtClean="0"/>
-              <a:t>04/02/2025</a:t>
+              <a:t>07/02/2025</a:t>
             </a:fld>
             <a:endParaRPr lang="fr-FR"/>
           </a:p>
@@ -1397,7 +1424,7 @@
           <a:p>
             <a:fld id="{7AAF9114-46CF-426A-8A8B-A9AE0B07B14A}" type="datetimeFigureOut">
               <a:rPr lang="fr-FR" smtClean="0"/>
-              <a:t>04/02/2025</a:t>
+              <a:t>07/02/2025</a:t>
             </a:fld>
             <a:endParaRPr lang="fr-FR"/>
           </a:p>
@@ -1724,7 +1751,7 @@
           <a:p>
             <a:fld id="{7AAF9114-46CF-426A-8A8B-A9AE0B07B14A}" type="datetimeFigureOut">
               <a:rPr lang="fr-FR" smtClean="0"/>
-              <a:t>04/02/2025</a:t>
+              <a:t>07/02/2025</a:t>
             </a:fld>
             <a:endParaRPr lang="fr-FR"/>
           </a:p>
@@ -2038,7 +2065,7 @@
           <a:p>
             <a:fld id="{7AAF9114-46CF-426A-8A8B-A9AE0B07B14A}" type="datetimeFigureOut">
               <a:rPr lang="fr-FR" smtClean="0"/>
-              <a:t>04/02/2025</a:t>
+              <a:t>07/02/2025</a:t>
             </a:fld>
             <a:endParaRPr lang="fr-FR"/>
           </a:p>
@@ -2425,7 +2452,7 @@
           <a:p>
             <a:fld id="{7AAF9114-46CF-426A-8A8B-A9AE0B07B14A}" type="datetimeFigureOut">
               <a:rPr lang="fr-FR" smtClean="0"/>
-              <a:t>04/02/2025</a:t>
+              <a:t>07/02/2025</a:t>
             </a:fld>
             <a:endParaRPr lang="fr-FR"/>
           </a:p>
@@ -2595,7 +2622,7 @@
           <a:p>
             <a:fld id="{7AAF9114-46CF-426A-8A8B-A9AE0B07B14A}" type="datetimeFigureOut">
               <a:rPr lang="fr-FR" smtClean="0"/>
-              <a:t>04/02/2025</a:t>
+              <a:t>07/02/2025</a:t>
             </a:fld>
             <a:endParaRPr lang="fr-FR"/>
           </a:p>
@@ -2775,7 +2802,7 @@
           <a:p>
             <a:fld id="{7AAF9114-46CF-426A-8A8B-A9AE0B07B14A}" type="datetimeFigureOut">
               <a:rPr lang="fr-FR" smtClean="0"/>
-              <a:t>04/02/2025</a:t>
+              <a:t>07/02/2025</a:t>
             </a:fld>
             <a:endParaRPr lang="fr-FR"/>
           </a:p>
@@ -2951,7 +2978,7 @@
           <a:p>
             <a:fld id="{7AAF9114-46CF-426A-8A8B-A9AE0B07B14A}" type="datetimeFigureOut">
               <a:rPr lang="fr-FR" smtClean="0"/>
-              <a:t>04/02/2025</a:t>
+              <a:t>07/02/2025</a:t>
             </a:fld>
             <a:endParaRPr lang="fr-FR"/>
           </a:p>
@@ -3198,7 +3225,7 @@
           <a:p>
             <a:fld id="{7AAF9114-46CF-426A-8A8B-A9AE0B07B14A}" type="datetimeFigureOut">
               <a:rPr lang="fr-FR" smtClean="0"/>
-              <a:t>04/02/2025</a:t>
+              <a:t>07/02/2025</a:t>
             </a:fld>
             <a:endParaRPr lang="fr-FR"/>
           </a:p>
@@ -3430,7 +3457,7 @@
           <a:p>
             <a:fld id="{7AAF9114-46CF-426A-8A8B-A9AE0B07B14A}" type="datetimeFigureOut">
               <a:rPr lang="fr-FR" smtClean="0"/>
-              <a:t>04/02/2025</a:t>
+              <a:t>07/02/2025</a:t>
             </a:fld>
             <a:endParaRPr lang="fr-FR"/>
           </a:p>
@@ -3804,7 +3831,7 @@
           <a:p>
             <a:fld id="{7AAF9114-46CF-426A-8A8B-A9AE0B07B14A}" type="datetimeFigureOut">
               <a:rPr lang="fr-FR" smtClean="0"/>
-              <a:t>04/02/2025</a:t>
+              <a:t>07/02/2025</a:t>
             </a:fld>
             <a:endParaRPr lang="fr-FR"/>
           </a:p>
@@ -3927,7 +3954,7 @@
           <a:p>
             <a:fld id="{7AAF9114-46CF-426A-8A8B-A9AE0B07B14A}" type="datetimeFigureOut">
               <a:rPr lang="fr-FR" smtClean="0"/>
-              <a:t>04/02/2025</a:t>
+              <a:t>07/02/2025</a:t>
             </a:fld>
             <a:endParaRPr lang="fr-FR"/>
           </a:p>
@@ -4022,7 +4049,7 @@
           <a:p>
             <a:fld id="{7AAF9114-46CF-426A-8A8B-A9AE0B07B14A}" type="datetimeFigureOut">
               <a:rPr lang="fr-FR" smtClean="0"/>
-              <a:t>04/02/2025</a:t>
+              <a:t>07/02/2025</a:t>
             </a:fld>
             <a:endParaRPr lang="fr-FR"/>
           </a:p>
@@ -4277,7 +4304,7 @@
           <a:p>
             <a:fld id="{7AAF9114-46CF-426A-8A8B-A9AE0B07B14A}" type="datetimeFigureOut">
               <a:rPr lang="fr-FR" smtClean="0"/>
-              <a:t>04/02/2025</a:t>
+              <a:t>07/02/2025</a:t>
             </a:fld>
             <a:endParaRPr lang="fr-FR"/>
           </a:p>
@@ -4540,7 +4567,7 @@
           <a:p>
             <a:fld id="{7AAF9114-46CF-426A-8A8B-A9AE0B07B14A}" type="datetimeFigureOut">
               <a:rPr lang="fr-FR" smtClean="0"/>
-              <a:t>04/02/2025</a:t>
+              <a:t>07/02/2025</a:t>
             </a:fld>
             <a:endParaRPr lang="fr-FR"/>
           </a:p>
@@ -4605,7 +4632,7 @@
 <p:sldMaster xmlns:a="http://schemas.openxmlformats.org/drawingml/2006/main" xmlns:r="http://schemas.openxmlformats.org/officeDocument/2006/relationships" xmlns:p="http://schemas.openxmlformats.org/presentationml/2006/main">
   <p:cSld>
     <p:bg>
-      <p:bgRef idx="1001">
+      <p:bgRef idx="1002">
         <a:schemeClr val="bg2"/>
       </p:bgRef>
     </p:bg>
@@ -5285,7 +5312,7 @@
           <a:p>
             <a:fld id="{7AAF9114-46CF-426A-8A8B-A9AE0B07B14A}" type="datetimeFigureOut">
               <a:rPr lang="fr-FR" smtClean="0"/>
-              <a:t>04/02/2025</a:t>
+              <a:t>07/02/2025</a:t>
             </a:fld>
             <a:endParaRPr lang="fr-FR"/>
           </a:p>
@@ -5795,6 +5822,28 @@
 <file path=ppt/slides/slide1.xml><?xml version="1.0" encoding="utf-8"?>
 <p:sld xmlns:a="http://schemas.openxmlformats.org/drawingml/2006/main" xmlns:r="http://schemas.openxmlformats.org/officeDocument/2006/relationships" xmlns:p="http://schemas.openxmlformats.org/presentationml/2006/main">
   <p:cSld>
+    <p:bg>
+      <p:bgPr>
+        <a:gradFill rotWithShape="1">
+          <a:gsLst>
+            <a:gs pos="0">
+              <a:schemeClr val="bg1">
+                <a:lumMod val="75000"/>
+                <a:lumOff val="25000"/>
+              </a:schemeClr>
+            </a:gs>
+            <a:gs pos="100000">
+              <a:schemeClr val="bg1">
+                <a:lumMod val="95000"/>
+                <a:lumOff val="5000"/>
+              </a:schemeClr>
+            </a:gs>
+          </a:gsLst>
+          <a:lin ang="5400000" scaled="0"/>
+        </a:gradFill>
+        <a:effectLst/>
+      </p:bgPr>
+    </p:bg>
     <p:spTree>
       <p:nvGrpSpPr>
         <p:cNvPr id="1" name=""/>
@@ -5879,6 +5928,28 @@
 <file path=ppt/slides/slide2.xml><?xml version="1.0" encoding="utf-8"?>
 <p:sld xmlns:a="http://schemas.openxmlformats.org/drawingml/2006/main" xmlns:r="http://schemas.openxmlformats.org/officeDocument/2006/relationships" xmlns:p="http://schemas.openxmlformats.org/presentationml/2006/main">
   <p:cSld>
+    <p:bg>
+      <p:bgPr>
+        <a:gradFill rotWithShape="1">
+          <a:gsLst>
+            <a:gs pos="0">
+              <a:schemeClr val="bg1">
+                <a:lumMod val="75000"/>
+                <a:lumOff val="25000"/>
+              </a:schemeClr>
+            </a:gs>
+            <a:gs pos="100000">
+              <a:schemeClr val="bg1">
+                <a:lumMod val="95000"/>
+                <a:lumOff val="5000"/>
+              </a:schemeClr>
+            </a:gs>
+          </a:gsLst>
+          <a:lin ang="5400000" scaled="0"/>
+        </a:gradFill>
+        <a:effectLst/>
+      </p:bgPr>
+    </p:bg>
     <p:spTree>
       <p:nvGrpSpPr>
         <p:cNvPr id="1" name=""/>
@@ -5932,21 +6003,550 @@
           <a:lstStyle/>
           <a:p>
             <a:r>
+              <a:rPr lang="fr-FR" dirty="0"/>
+              <a:t>Les différents </a:t>
+            </a:r>
+            <a:r>
               <a:rPr lang="fr-FR" dirty="0" smtClean="0"/>
-              <a:t>Les </a:t>
-            </a:r>
-            <a:r>
-              <a:rPr lang="fr-FR" smtClean="0"/>
-              <a:t>différents diagrammes</a:t>
-            </a:r>
-            <a:endParaRPr lang="fr-FR"/>
+              <a:t>diagrammes et triptyque du </a:t>
+            </a:r>
+            <a:r>
+              <a:rPr lang="fr-FR" dirty="0" err="1"/>
+              <a:t>D</a:t>
+            </a:r>
+            <a:r>
+              <a:rPr lang="fr-FR" dirty="0" err="1" smtClean="0"/>
+              <a:t>év</a:t>
+            </a:r>
+            <a:r>
+              <a:rPr lang="fr-FR" dirty="0" smtClean="0"/>
+              <a:t>-dur</a:t>
+            </a:r>
+            <a:endParaRPr lang="fr-FR" dirty="0"/>
+          </a:p>
+          <a:p>
+            <a:r>
+              <a:rPr lang="fr-FR" dirty="0" smtClean="0"/>
+              <a:t>Cahier des charges</a:t>
+            </a:r>
+          </a:p>
+          <a:p>
+            <a:r>
+              <a:rPr lang="fr-FR" dirty="0" smtClean="0"/>
+              <a:t>Chaine d’énergie et d’information</a:t>
+            </a:r>
+          </a:p>
+          <a:p>
+            <a:endParaRPr lang="fr-FR" dirty="0" smtClean="0"/>
+          </a:p>
+          <a:p>
+            <a:r>
+              <a:rPr lang="fr-FR" dirty="0" smtClean="0"/>
+              <a:t>Solution logicielle ou matérielle</a:t>
+            </a:r>
+            <a:endParaRPr lang="fr-FR" dirty="0"/>
+          </a:p>
+          <a:p>
+            <a:r>
+              <a:rPr lang="fr-FR" dirty="0" smtClean="0"/>
+              <a:t>L’</a:t>
+            </a:r>
+            <a:r>
+              <a:rPr lang="fr-FR" dirty="0" err="1" smtClean="0"/>
+              <a:t>algorigramme</a:t>
+            </a:r>
+            <a:r>
+              <a:rPr lang="fr-FR" dirty="0" smtClean="0"/>
+              <a:t> des systèmes</a:t>
+            </a:r>
+          </a:p>
+          <a:p>
+            <a:endParaRPr lang="fr-FR" dirty="0"/>
           </a:p>
         </p:txBody>
       </p:sp>
     </p:spTree>
     <p:extLst>
       <p:ext uri="{BB962C8B-B14F-4D97-AF65-F5344CB8AC3E}">
-        <p14:creationId xmlns:p14="http://schemas.microsoft.com/office/powerpoint/2010/main" val="3834056672"/>
+        <p14:creationId xmlns:p14="http://schemas.microsoft.com/office/powerpoint/2010/main" val="3017302728"/>
+      </p:ext>
+    </p:extLst>
+  </p:cSld>
+  <p:clrMapOvr>
+    <a:masterClrMapping/>
+  </p:clrMapOvr>
+</p:sld>
+</file>
+
+<file path=ppt/slides/slide3.xml><?xml version="1.0" encoding="utf-8"?>
+<p:sld xmlns:a="http://schemas.openxmlformats.org/drawingml/2006/main" xmlns:r="http://schemas.openxmlformats.org/officeDocument/2006/relationships" xmlns:p="http://schemas.openxmlformats.org/presentationml/2006/main">
+  <p:cSld>
+    <p:spTree>
+      <p:nvGrpSpPr>
+        <p:cNvPr id="1" name=""/>
+        <p:cNvGrpSpPr/>
+        <p:nvPr/>
+      </p:nvGrpSpPr>
+      <p:grpSpPr>
+        <a:xfrm>
+          <a:off x="0" y="0"/>
+          <a:ext cx="0" cy="0"/>
+          <a:chOff x="0" y="0"/>
+          <a:chExt cx="0" cy="0"/>
+        </a:xfrm>
+      </p:grpSpPr>
+      <p:sp>
+        <p:nvSpPr>
+          <p:cNvPr id="2" name="Titre 1"/>
+          <p:cNvSpPr>
+            <a:spLocks noGrp="1"/>
+          </p:cNvSpPr>
+          <p:nvPr>
+            <p:ph type="title"/>
+          </p:nvPr>
+        </p:nvSpPr>
+        <p:spPr/>
+        <p:txBody>
+          <a:bodyPr>
+            <a:normAutofit fontScale="90000"/>
+          </a:bodyPr>
+          <a:lstStyle/>
+          <a:p>
+            <a:r>
+              <a:rPr lang="fr-FR" dirty="0"/>
+              <a:t>Les différents diagrammes et triptyque du </a:t>
+            </a:r>
+            <a:r>
+              <a:rPr lang="fr-FR" dirty="0" err="1"/>
+              <a:t>Dév</a:t>
+            </a:r>
+            <a:r>
+              <a:rPr lang="fr-FR" dirty="0"/>
+              <a:t>-dur</a:t>
+            </a:r>
+            <a:br>
+              <a:rPr lang="fr-FR" dirty="0"/>
+            </a:br>
+            <a:endParaRPr lang="fr-FR" dirty="0"/>
+          </a:p>
+        </p:txBody>
+      </p:sp>
+      <p:sp>
+        <p:nvSpPr>
+          <p:cNvPr id="3" name="Espace réservé du contenu 2"/>
+          <p:cNvSpPr>
+            <a:spLocks noGrp="1"/>
+          </p:cNvSpPr>
+          <p:nvPr>
+            <p:ph idx="1"/>
+          </p:nvPr>
+        </p:nvSpPr>
+        <p:spPr/>
+        <p:txBody>
+          <a:bodyPr/>
+          <a:lstStyle/>
+          <a:p>
+            <a:endParaRPr lang="fr-FR"/>
+          </a:p>
+        </p:txBody>
+      </p:sp>
+    </p:spTree>
+    <p:extLst>
+      <p:ext uri="{BB962C8B-B14F-4D97-AF65-F5344CB8AC3E}">
+        <p14:creationId xmlns:p14="http://schemas.microsoft.com/office/powerpoint/2010/main" val="2524453527"/>
+      </p:ext>
+    </p:extLst>
+  </p:cSld>
+  <p:clrMapOvr>
+    <a:masterClrMapping/>
+  </p:clrMapOvr>
+</p:sld>
+</file>
+
+<file path=ppt/slides/slide4.xml><?xml version="1.0" encoding="utf-8"?>
+<p:sld xmlns:a="http://schemas.openxmlformats.org/drawingml/2006/main" xmlns:r="http://schemas.openxmlformats.org/officeDocument/2006/relationships" xmlns:p="http://schemas.openxmlformats.org/presentationml/2006/main">
+  <p:cSld>
+    <p:spTree>
+      <p:nvGrpSpPr>
+        <p:cNvPr id="1" name=""/>
+        <p:cNvGrpSpPr/>
+        <p:nvPr/>
+      </p:nvGrpSpPr>
+      <p:grpSpPr>
+        <a:xfrm>
+          <a:off x="0" y="0"/>
+          <a:ext cx="0" cy="0"/>
+          <a:chOff x="0" y="0"/>
+          <a:chExt cx="0" cy="0"/>
+        </a:xfrm>
+      </p:grpSpPr>
+      <p:sp>
+        <p:nvSpPr>
+          <p:cNvPr id="2" name="Titre 1"/>
+          <p:cNvSpPr>
+            <a:spLocks noGrp="1"/>
+          </p:cNvSpPr>
+          <p:nvPr>
+            <p:ph type="title"/>
+          </p:nvPr>
+        </p:nvSpPr>
+        <p:spPr/>
+        <p:txBody>
+          <a:bodyPr>
+            <a:normAutofit fontScale="90000"/>
+          </a:bodyPr>
+          <a:lstStyle/>
+          <a:p>
+            <a:r>
+              <a:rPr lang="fr-FR" dirty="0"/>
+              <a:t>Les différents diagrammes et triptyque du </a:t>
+            </a:r>
+            <a:r>
+              <a:rPr lang="fr-FR" dirty="0" err="1"/>
+              <a:t>Dév</a:t>
+            </a:r>
+            <a:r>
+              <a:rPr lang="fr-FR" dirty="0"/>
+              <a:t>-dur</a:t>
+            </a:r>
+            <a:br>
+              <a:rPr lang="fr-FR" dirty="0"/>
+            </a:br>
+            <a:endParaRPr lang="fr-FR" dirty="0"/>
+          </a:p>
+        </p:txBody>
+      </p:sp>
+      <p:sp>
+        <p:nvSpPr>
+          <p:cNvPr id="3" name="Espace réservé du contenu 2"/>
+          <p:cNvSpPr>
+            <a:spLocks noGrp="1"/>
+          </p:cNvSpPr>
+          <p:nvPr>
+            <p:ph idx="1"/>
+          </p:nvPr>
+        </p:nvSpPr>
+        <p:spPr/>
+        <p:txBody>
+          <a:bodyPr/>
+          <a:lstStyle/>
+          <a:p>
+            <a:endParaRPr lang="fr-FR"/>
+          </a:p>
+        </p:txBody>
+      </p:sp>
+    </p:spTree>
+    <p:extLst>
+      <p:ext uri="{BB962C8B-B14F-4D97-AF65-F5344CB8AC3E}">
+        <p14:creationId xmlns:p14="http://schemas.microsoft.com/office/powerpoint/2010/main" val="671082765"/>
+      </p:ext>
+    </p:extLst>
+  </p:cSld>
+  <p:clrMapOvr>
+    <a:masterClrMapping/>
+  </p:clrMapOvr>
+</p:sld>
+</file>
+
+<file path=ppt/slides/slide5.xml><?xml version="1.0" encoding="utf-8"?>
+<p:sld xmlns:a="http://schemas.openxmlformats.org/drawingml/2006/main" xmlns:r="http://schemas.openxmlformats.org/officeDocument/2006/relationships" xmlns:p="http://schemas.openxmlformats.org/presentationml/2006/main">
+  <p:cSld>
+    <p:spTree>
+      <p:nvGrpSpPr>
+        <p:cNvPr id="1" name=""/>
+        <p:cNvGrpSpPr/>
+        <p:nvPr/>
+      </p:nvGrpSpPr>
+      <p:grpSpPr>
+        <a:xfrm>
+          <a:off x="0" y="0"/>
+          <a:ext cx="0" cy="0"/>
+          <a:chOff x="0" y="0"/>
+          <a:chExt cx="0" cy="0"/>
+        </a:xfrm>
+      </p:grpSpPr>
+      <p:sp>
+        <p:nvSpPr>
+          <p:cNvPr id="2" name="Titre 1"/>
+          <p:cNvSpPr>
+            <a:spLocks noGrp="1"/>
+          </p:cNvSpPr>
+          <p:nvPr>
+            <p:ph type="title"/>
+          </p:nvPr>
+        </p:nvSpPr>
+        <p:spPr/>
+        <p:txBody>
+          <a:bodyPr/>
+          <a:lstStyle/>
+          <a:p>
+            <a:r>
+              <a:rPr lang="fr-FR" dirty="0"/>
+              <a:t>Cahier des charges</a:t>
+            </a:r>
+            <a:br>
+              <a:rPr lang="fr-FR" dirty="0"/>
+            </a:br>
+            <a:endParaRPr lang="fr-FR" dirty="0"/>
+          </a:p>
+        </p:txBody>
+      </p:sp>
+      <p:sp>
+        <p:nvSpPr>
+          <p:cNvPr id="3" name="Espace réservé du contenu 2"/>
+          <p:cNvSpPr>
+            <a:spLocks noGrp="1"/>
+          </p:cNvSpPr>
+          <p:nvPr>
+            <p:ph idx="1"/>
+          </p:nvPr>
+        </p:nvSpPr>
+        <p:spPr/>
+        <p:txBody>
+          <a:bodyPr/>
+          <a:lstStyle/>
+          <a:p>
+            <a:endParaRPr lang="fr-FR"/>
+          </a:p>
+        </p:txBody>
+      </p:sp>
+    </p:spTree>
+    <p:extLst>
+      <p:ext uri="{BB962C8B-B14F-4D97-AF65-F5344CB8AC3E}">
+        <p14:creationId xmlns:p14="http://schemas.microsoft.com/office/powerpoint/2010/main" val="588275339"/>
+      </p:ext>
+    </p:extLst>
+  </p:cSld>
+  <p:clrMapOvr>
+    <a:masterClrMapping/>
+  </p:clrMapOvr>
+</p:sld>
+</file>
+
+<file path=ppt/slides/slide6.xml><?xml version="1.0" encoding="utf-8"?>
+<p:sld xmlns:a="http://schemas.openxmlformats.org/drawingml/2006/main" xmlns:r="http://schemas.openxmlformats.org/officeDocument/2006/relationships" xmlns:p="http://schemas.openxmlformats.org/presentationml/2006/main">
+  <p:cSld>
+    <p:spTree>
+      <p:nvGrpSpPr>
+        <p:cNvPr id="1" name=""/>
+        <p:cNvGrpSpPr/>
+        <p:nvPr/>
+      </p:nvGrpSpPr>
+      <p:grpSpPr>
+        <a:xfrm>
+          <a:off x="0" y="0"/>
+          <a:ext cx="0" cy="0"/>
+          <a:chOff x="0" y="0"/>
+          <a:chExt cx="0" cy="0"/>
+        </a:xfrm>
+      </p:grpSpPr>
+      <p:sp>
+        <p:nvSpPr>
+          <p:cNvPr id="2" name="Titre 1"/>
+          <p:cNvSpPr>
+            <a:spLocks noGrp="1"/>
+          </p:cNvSpPr>
+          <p:nvPr>
+            <p:ph type="title"/>
+          </p:nvPr>
+        </p:nvSpPr>
+        <p:spPr/>
+        <p:txBody>
+          <a:bodyPr/>
+          <a:lstStyle/>
+          <a:p>
+            <a:r>
+              <a:rPr lang="fr-FR" dirty="0"/>
+              <a:t>Chaine d’énergie et d’information</a:t>
+            </a:r>
+            <a:br>
+              <a:rPr lang="fr-FR" dirty="0"/>
+            </a:br>
+            <a:endParaRPr lang="fr-FR" dirty="0"/>
+          </a:p>
+        </p:txBody>
+      </p:sp>
+      <p:sp>
+        <p:nvSpPr>
+          <p:cNvPr id="3" name="Espace réservé du contenu 2"/>
+          <p:cNvSpPr>
+            <a:spLocks noGrp="1"/>
+          </p:cNvSpPr>
+          <p:nvPr>
+            <p:ph idx="1"/>
+          </p:nvPr>
+        </p:nvSpPr>
+        <p:spPr/>
+        <p:txBody>
+          <a:bodyPr/>
+          <a:lstStyle/>
+          <a:p>
+            <a:endParaRPr lang="fr-FR"/>
+          </a:p>
+        </p:txBody>
+      </p:sp>
+    </p:spTree>
+    <p:extLst>
+      <p:ext uri="{BB962C8B-B14F-4D97-AF65-F5344CB8AC3E}">
+        <p14:creationId xmlns:p14="http://schemas.microsoft.com/office/powerpoint/2010/main" val="900131923"/>
+      </p:ext>
+    </p:extLst>
+  </p:cSld>
+  <p:clrMapOvr>
+    <a:masterClrMapping/>
+  </p:clrMapOvr>
+</p:sld>
+</file>
+
+<file path=ppt/slides/slide7.xml><?xml version="1.0" encoding="utf-8"?>
+<p:sld xmlns:a="http://schemas.openxmlformats.org/drawingml/2006/main" xmlns:r="http://schemas.openxmlformats.org/officeDocument/2006/relationships" xmlns:p="http://schemas.openxmlformats.org/presentationml/2006/main">
+  <p:cSld>
+    <p:spTree>
+      <p:nvGrpSpPr>
+        <p:cNvPr id="1" name=""/>
+        <p:cNvGrpSpPr/>
+        <p:nvPr/>
+      </p:nvGrpSpPr>
+      <p:grpSpPr>
+        <a:xfrm>
+          <a:off x="0" y="0"/>
+          <a:ext cx="0" cy="0"/>
+          <a:chOff x="0" y="0"/>
+          <a:chExt cx="0" cy="0"/>
+        </a:xfrm>
+      </p:grpSpPr>
+      <p:sp>
+        <p:nvSpPr>
+          <p:cNvPr id="2" name="Titre 1"/>
+          <p:cNvSpPr>
+            <a:spLocks noGrp="1"/>
+          </p:cNvSpPr>
+          <p:nvPr>
+            <p:ph type="title"/>
+          </p:nvPr>
+        </p:nvSpPr>
+        <p:spPr/>
+        <p:txBody>
+          <a:bodyPr/>
+          <a:lstStyle/>
+          <a:p>
+            <a:r>
+              <a:rPr lang="fr-FR" dirty="0"/>
+              <a:t>Solution logicielle ou matérielle</a:t>
+            </a:r>
+            <a:br>
+              <a:rPr lang="fr-FR" dirty="0"/>
+            </a:br>
+            <a:endParaRPr lang="fr-FR" dirty="0"/>
+          </a:p>
+        </p:txBody>
+      </p:sp>
+      <p:sp>
+        <p:nvSpPr>
+          <p:cNvPr id="3" name="Espace réservé du contenu 2"/>
+          <p:cNvSpPr>
+            <a:spLocks noGrp="1"/>
+          </p:cNvSpPr>
+          <p:nvPr>
+            <p:ph idx="1"/>
+          </p:nvPr>
+        </p:nvSpPr>
+        <p:spPr/>
+        <p:txBody>
+          <a:bodyPr/>
+          <a:lstStyle/>
+          <a:p>
+            <a:endParaRPr lang="fr-FR"/>
+          </a:p>
+        </p:txBody>
+      </p:sp>
+    </p:spTree>
+    <p:extLst>
+      <p:ext uri="{BB962C8B-B14F-4D97-AF65-F5344CB8AC3E}">
+        <p14:creationId xmlns:p14="http://schemas.microsoft.com/office/powerpoint/2010/main" val="1677723131"/>
+      </p:ext>
+    </p:extLst>
+  </p:cSld>
+  <p:clrMapOvr>
+    <a:masterClrMapping/>
+  </p:clrMapOvr>
+</p:sld>
+</file>
+
+<file path=ppt/slides/slide8.xml><?xml version="1.0" encoding="utf-8"?>
+<p:sld xmlns:a="http://schemas.openxmlformats.org/drawingml/2006/main" xmlns:r="http://schemas.openxmlformats.org/officeDocument/2006/relationships" xmlns:p="http://schemas.openxmlformats.org/presentationml/2006/main">
+  <p:cSld>
+    <p:spTree>
+      <p:nvGrpSpPr>
+        <p:cNvPr id="1" name=""/>
+        <p:cNvGrpSpPr/>
+        <p:nvPr/>
+      </p:nvGrpSpPr>
+      <p:grpSpPr>
+        <a:xfrm>
+          <a:off x="0" y="0"/>
+          <a:ext cx="0" cy="0"/>
+          <a:chOff x="0" y="0"/>
+          <a:chExt cx="0" cy="0"/>
+        </a:xfrm>
+      </p:grpSpPr>
+      <p:sp>
+        <p:nvSpPr>
+          <p:cNvPr id="2" name="Titre 1"/>
+          <p:cNvSpPr>
+            <a:spLocks noGrp="1"/>
+          </p:cNvSpPr>
+          <p:nvPr>
+            <p:ph type="title"/>
+          </p:nvPr>
+        </p:nvSpPr>
+        <p:spPr/>
+        <p:txBody>
+          <a:bodyPr/>
+          <a:lstStyle/>
+          <a:p>
+            <a:r>
+              <a:rPr lang="fr-FR" dirty="0"/>
+              <a:t>L’</a:t>
+            </a:r>
+            <a:r>
+              <a:rPr lang="fr-FR" dirty="0" err="1"/>
+              <a:t>algorigramme</a:t>
+            </a:r>
+            <a:r>
+              <a:rPr lang="fr-FR" dirty="0"/>
+              <a:t> des systèmes</a:t>
+            </a:r>
+            <a:br>
+              <a:rPr lang="fr-FR" dirty="0"/>
+            </a:br>
+            <a:endParaRPr lang="fr-FR" dirty="0"/>
+          </a:p>
+        </p:txBody>
+      </p:sp>
+      <p:sp>
+        <p:nvSpPr>
+          <p:cNvPr id="3" name="Espace réservé du contenu 2"/>
+          <p:cNvSpPr>
+            <a:spLocks noGrp="1"/>
+          </p:cNvSpPr>
+          <p:nvPr>
+            <p:ph idx="1"/>
+          </p:nvPr>
+        </p:nvSpPr>
+        <p:spPr/>
+        <p:txBody>
+          <a:bodyPr/>
+          <a:lstStyle/>
+          <a:p>
+            <a:endParaRPr lang="fr-FR"/>
+          </a:p>
+        </p:txBody>
+      </p:sp>
+    </p:spTree>
+    <p:extLst>
+      <p:ext uri="{BB962C8B-B14F-4D97-AF65-F5344CB8AC3E}">
+        <p14:creationId xmlns:p14="http://schemas.microsoft.com/office/powerpoint/2010/main" val="3695257969"/>
       </p:ext>
     </p:extLst>
   </p:cSld>
@@ -5997,76 +6597,16 @@
         <a:srgbClr val="919191"/>
       </a:folHlink>
     </a:clrScheme>
-    <a:fontScheme name="Facette">
+    <a:fontScheme name="Personnalisé 2">
       <a:majorFont>
-        <a:latin typeface="Trebuchet MS" panose="020B0603020202020204"/>
+        <a:latin typeface="Gill Sans MT"/>
         <a:ea typeface=""/>
         <a:cs typeface=""/>
-        <a:font script="Jpan" typeface="メイリオ"/>
-        <a:font script="Hang" typeface="맑은 고딕"/>
-        <a:font script="Hans" typeface="方正姚体"/>
-        <a:font script="Hant" typeface="微軟正黑體"/>
-        <a:font script="Arab" typeface="Tahoma"/>
-        <a:font script="Hebr" typeface="Arial"/>
-        <a:font script="Thai" typeface="Cordia New"/>
-        <a:font script="Ethi" typeface="Nyala"/>
-        <a:font script="Beng" typeface="Vrinda"/>
-        <a:font script="Gujr" typeface="Shruti"/>
-        <a:font script="Khmr" typeface="DaunPenh"/>
-        <a:font script="Knda" typeface="Tunga"/>
-        <a:font script="Guru" typeface="Raavi"/>
-        <a:font script="Cans" typeface="Euphemia"/>
-        <a:font script="Cher" typeface="Plantagenet Cherokee"/>
-        <a:font script="Yiii" typeface="Microsoft Yi Baiti"/>
-        <a:font script="Tibt" typeface="Microsoft Himalaya"/>
-        <a:font script="Thaa" typeface="MV Boli"/>
-        <a:font script="Deva" typeface="Mangal"/>
-        <a:font script="Telu" typeface="Gautami"/>
-        <a:font script="Taml" typeface="Latha"/>
-        <a:font script="Syrc" typeface="Estrangelo Edessa"/>
-        <a:font script="Orya" typeface="Kalinga"/>
-        <a:font script="Mlym" typeface="Kartika"/>
-        <a:font script="Laoo" typeface="DokChampa"/>
-        <a:font script="Sinh" typeface="Iskoola Pota"/>
-        <a:font script="Mong" typeface="Mongolian Baiti"/>
-        <a:font script="Viet" typeface="Tahoma"/>
-        <a:font script="Uigh" typeface="Microsoft Uighur"/>
-        <a:font script="Geor" typeface="Sylfaen"/>
       </a:majorFont>
       <a:minorFont>
-        <a:latin typeface="Trebuchet MS" panose="020B0603020202020204"/>
+        <a:latin typeface="Calibri"/>
         <a:ea typeface=""/>
         <a:cs typeface=""/>
-        <a:font script="Jpan" typeface="メイリオ"/>
-        <a:font script="Hang" typeface="HY그래픽M"/>
-        <a:font script="Hans" typeface="华文新魏"/>
-        <a:font script="Hant" typeface="微軟正黑體"/>
-        <a:font script="Arab" typeface="Tahoma"/>
-        <a:font script="Hebr" typeface="Gisha"/>
-        <a:font script="Thai" typeface="IrisUPC"/>
-        <a:font script="Ethi" typeface="Nyala"/>
-        <a:font script="Beng" typeface="Vrinda"/>
-        <a:font script="Gujr" typeface="Shruti"/>
-        <a:font script="Khmr" typeface="DaunPenh"/>
-        <a:font script="Knda" typeface="Tunga"/>
-        <a:font script="Guru" typeface="Raavi"/>
-        <a:font script="Cans" typeface="Euphemia"/>
-        <a:font script="Cher" typeface="Plantagenet Cherokee"/>
-        <a:font script="Yiii" typeface="Microsoft Yi Baiti"/>
-        <a:font script="Tibt" typeface="Microsoft Himalaya"/>
-        <a:font script="Thaa" typeface="MV Boli"/>
-        <a:font script="Deva" typeface="Mangal"/>
-        <a:font script="Telu" typeface="Gautami"/>
-        <a:font script="Taml" typeface="Latha"/>
-        <a:font script="Syrc" typeface="Estrangelo Edessa"/>
-        <a:font script="Orya" typeface="Kalinga"/>
-        <a:font script="Mlym" typeface="Kartika"/>
-        <a:font script="Laoo" typeface="DokChampa"/>
-        <a:font script="Sinh" typeface="Iskoola Pota"/>
-        <a:font script="Mong" typeface="Mongolian Baiti"/>
-        <a:font script="Viet" typeface="Arial"/>
-        <a:font script="Uigh" typeface="Microsoft Uighur"/>
-        <a:font script="Geor" typeface="Sylfaen"/>
       </a:minorFont>
     </a:fontScheme>
     <a:fmtScheme name="Facette">
